--- a/docs/画面設計.pptx
+++ b/docs/画面設計.pptx
@@ -14,6 +14,8 @@
     <p:sldId id="261" r:id="rId8"/>
     <p:sldId id="259" r:id="rId9"/>
     <p:sldId id="260" r:id="rId10"/>
+    <p:sldId id="265" r:id="rId11"/>
+    <p:sldId id="266" r:id="rId12"/>
   </p:sldIdLst>
   <p:sldSz cx="12192000" cy="6858000"/>
   <p:notesSz cx="6858000" cy="9144000"/>
@@ -112,6 +114,11 @@
       </a:defRPr>
     </a:lvl9pPr>
   </p:defaultTextStyle>
+  <p:extLst>
+    <p:ext uri="{EFAFB233-063F-42B5-8137-9DF3F51BA10A}">
+      <p15:sldGuideLst xmlns:p15="http://schemas.microsoft.com/office/powerpoint/2012/main"/>
+    </p:ext>
+  </p:extLst>
 </p:presentation>
 </file>
 
@@ -262,7 +269,7 @@
           <a:p>
             <a:fld id="{2228423C-ADEE-4C1C-8062-4A17A5039020}" type="datetimeFigureOut">
               <a:rPr kumimoji="1" lang="ja-JP" altLang="en-US" smtClean="0"/>
-              <a:t>2026/1/22</a:t>
+              <a:t>2026/1/27</a:t>
             </a:fld>
             <a:endParaRPr kumimoji="1" lang="ja-JP" altLang="en-US"/>
           </a:p>
@@ -492,7 +499,7 @@
           <a:p>
             <a:fld id="{2228423C-ADEE-4C1C-8062-4A17A5039020}" type="datetimeFigureOut">
               <a:rPr kumimoji="1" lang="ja-JP" altLang="en-US" smtClean="0"/>
-              <a:t>2026/1/22</a:t>
+              <a:t>2026/1/27</a:t>
             </a:fld>
             <a:endParaRPr kumimoji="1" lang="ja-JP" altLang="en-US"/>
           </a:p>
@@ -732,7 +739,7 @@
           <a:p>
             <a:fld id="{2228423C-ADEE-4C1C-8062-4A17A5039020}" type="datetimeFigureOut">
               <a:rPr kumimoji="1" lang="ja-JP" altLang="en-US" smtClean="0"/>
-              <a:t>2026/1/22</a:t>
+              <a:t>2026/1/27</a:t>
             </a:fld>
             <a:endParaRPr kumimoji="1" lang="ja-JP" altLang="en-US"/>
           </a:p>
@@ -962,7 +969,7 @@
           <a:p>
             <a:fld id="{2228423C-ADEE-4C1C-8062-4A17A5039020}" type="datetimeFigureOut">
               <a:rPr kumimoji="1" lang="ja-JP" altLang="en-US" smtClean="0"/>
-              <a:t>2026/1/22</a:t>
+              <a:t>2026/1/27</a:t>
             </a:fld>
             <a:endParaRPr kumimoji="1" lang="ja-JP" altLang="en-US"/>
           </a:p>
@@ -1237,7 +1244,7 @@
           <a:p>
             <a:fld id="{2228423C-ADEE-4C1C-8062-4A17A5039020}" type="datetimeFigureOut">
               <a:rPr kumimoji="1" lang="ja-JP" altLang="en-US" smtClean="0"/>
-              <a:t>2026/1/22</a:t>
+              <a:t>2026/1/27</a:t>
             </a:fld>
             <a:endParaRPr kumimoji="1" lang="ja-JP" altLang="en-US"/>
           </a:p>
@@ -1566,7 +1573,7 @@
           <a:p>
             <a:fld id="{2228423C-ADEE-4C1C-8062-4A17A5039020}" type="datetimeFigureOut">
               <a:rPr kumimoji="1" lang="ja-JP" altLang="en-US" smtClean="0"/>
-              <a:t>2026/1/22</a:t>
+              <a:t>2026/1/27</a:t>
             </a:fld>
             <a:endParaRPr kumimoji="1" lang="ja-JP" altLang="en-US"/>
           </a:p>
@@ -2042,7 +2049,7 @@
           <a:p>
             <a:fld id="{2228423C-ADEE-4C1C-8062-4A17A5039020}" type="datetimeFigureOut">
               <a:rPr kumimoji="1" lang="ja-JP" altLang="en-US" smtClean="0"/>
-              <a:t>2026/1/22</a:t>
+              <a:t>2026/1/27</a:t>
             </a:fld>
             <a:endParaRPr kumimoji="1" lang="ja-JP" altLang="en-US"/>
           </a:p>
@@ -2183,7 +2190,7 @@
           <a:p>
             <a:fld id="{2228423C-ADEE-4C1C-8062-4A17A5039020}" type="datetimeFigureOut">
               <a:rPr kumimoji="1" lang="ja-JP" altLang="en-US" smtClean="0"/>
-              <a:t>2026/1/22</a:t>
+              <a:t>2026/1/27</a:t>
             </a:fld>
             <a:endParaRPr kumimoji="1" lang="ja-JP" altLang="en-US"/>
           </a:p>
@@ -2296,7 +2303,7 @@
           <a:p>
             <a:fld id="{2228423C-ADEE-4C1C-8062-4A17A5039020}" type="datetimeFigureOut">
               <a:rPr kumimoji="1" lang="ja-JP" altLang="en-US" smtClean="0"/>
-              <a:t>2026/1/22</a:t>
+              <a:t>2026/1/27</a:t>
             </a:fld>
             <a:endParaRPr kumimoji="1" lang="ja-JP" altLang="en-US"/>
           </a:p>
@@ -2639,7 +2646,7 @@
           <a:p>
             <a:fld id="{2228423C-ADEE-4C1C-8062-4A17A5039020}" type="datetimeFigureOut">
               <a:rPr kumimoji="1" lang="ja-JP" altLang="en-US" smtClean="0"/>
-              <a:t>2026/1/22</a:t>
+              <a:t>2026/1/27</a:t>
             </a:fld>
             <a:endParaRPr kumimoji="1" lang="ja-JP" altLang="en-US"/>
           </a:p>
@@ -2927,7 +2934,7 @@
           <a:p>
             <a:fld id="{2228423C-ADEE-4C1C-8062-4A17A5039020}" type="datetimeFigureOut">
               <a:rPr kumimoji="1" lang="ja-JP" altLang="en-US" smtClean="0"/>
-              <a:t>2026/1/22</a:t>
+              <a:t>2026/1/27</a:t>
             </a:fld>
             <a:endParaRPr kumimoji="1" lang="ja-JP" altLang="en-US"/>
           </a:p>
@@ -3200,7 +3207,7 @@
           <a:p>
             <a:fld id="{2228423C-ADEE-4C1C-8062-4A17A5039020}" type="datetimeFigureOut">
               <a:rPr kumimoji="1" lang="ja-JP" altLang="en-US" smtClean="0"/>
-              <a:t>2026/1/22</a:t>
+              <a:t>2026/1/27</a:t>
             </a:fld>
             <a:endParaRPr kumimoji="1" lang="ja-JP" altLang="en-US"/>
           </a:p>
@@ -3750,6 +3757,925 @@
 </p:sld>
 </file>
 
+<file path=ppt/slides/slide10.xml><?xml version="1.0" encoding="utf-8"?>
+<p:sld xmlns:a="http://schemas.openxmlformats.org/drawingml/2006/main" xmlns:r="http://schemas.openxmlformats.org/officeDocument/2006/relationships" xmlns:p="http://schemas.openxmlformats.org/presentationml/2006/main">
+  <p:cSld>
+    <p:bg>
+      <p:bgPr>
+        <a:solidFill>
+          <a:schemeClr val="accent1">
+            <a:lumMod val="60000"/>
+            <a:lumOff val="40000"/>
+          </a:schemeClr>
+        </a:solidFill>
+        <a:effectLst/>
+      </p:bgPr>
+    </p:bg>
+    <p:spTree>
+      <p:nvGrpSpPr>
+        <p:cNvPr id="1" name=""/>
+        <p:cNvGrpSpPr/>
+        <p:nvPr/>
+      </p:nvGrpSpPr>
+      <p:grpSpPr>
+        <a:xfrm>
+          <a:off x="0" y="0"/>
+          <a:ext cx="0" cy="0"/>
+          <a:chOff x="0" y="0"/>
+          <a:chExt cx="0" cy="0"/>
+        </a:xfrm>
+      </p:grpSpPr>
+    </p:spTree>
+    <p:extLst>
+      <p:ext uri="{BB962C8B-B14F-4D97-AF65-F5344CB8AC3E}">
+        <p14:creationId xmlns:p14="http://schemas.microsoft.com/office/powerpoint/2010/main" val="157958466"/>
+      </p:ext>
+    </p:extLst>
+  </p:cSld>
+  <p:clrMapOvr>
+    <a:masterClrMapping/>
+  </p:clrMapOvr>
+</p:sld>
+</file>
+
+<file path=ppt/slides/slide11.xml><?xml version="1.0" encoding="utf-8"?>
+<p:sld xmlns:a="http://schemas.openxmlformats.org/drawingml/2006/main" xmlns:r="http://schemas.openxmlformats.org/officeDocument/2006/relationships" xmlns:p="http://schemas.openxmlformats.org/presentationml/2006/main">
+  <p:cSld>
+    <p:spTree>
+      <p:nvGrpSpPr>
+        <p:cNvPr id="1" name=""/>
+        <p:cNvGrpSpPr/>
+        <p:nvPr/>
+      </p:nvGrpSpPr>
+      <p:grpSpPr>
+        <a:xfrm>
+          <a:off x="0" y="0"/>
+          <a:ext cx="0" cy="0"/>
+          <a:chOff x="0" y="0"/>
+          <a:chExt cx="0" cy="0"/>
+        </a:xfrm>
+      </p:grpSpPr>
+      <p:pic>
+        <p:nvPicPr>
+          <p:cNvPr id="2" name="図 1">
+            <a:extLst>
+              <a:ext uri="{FF2B5EF4-FFF2-40B4-BE49-F238E27FC236}">
+                <a16:creationId xmlns:a16="http://schemas.microsoft.com/office/drawing/2014/main" id="{D83120C8-5EC3-4979-9959-70ED46C3B7C7}"/>
+              </a:ext>
+            </a:extLst>
+          </p:cNvPr>
+          <p:cNvPicPr>
+            <a:picLocks noChangeAspect="1"/>
+          </p:cNvPicPr>
+          <p:nvPr/>
+        </p:nvPicPr>
+        <p:blipFill>
+          <a:blip r:embed="rId2"/>
+          <a:stretch>
+            <a:fillRect/>
+          </a:stretch>
+        </p:blipFill>
+        <p:spPr>
+          <a:xfrm>
+            <a:off x="137719" y="109211"/>
+            <a:ext cx="5630061" cy="4677428"/>
+          </a:xfrm>
+          <a:prstGeom prst="rect">
+            <a:avLst/>
+          </a:prstGeom>
+        </p:spPr>
+      </p:pic>
+      <p:sp>
+        <p:nvSpPr>
+          <p:cNvPr id="3" name="テキスト ボックス 2">
+            <a:extLst>
+              <a:ext uri="{FF2B5EF4-FFF2-40B4-BE49-F238E27FC236}">
+                <a16:creationId xmlns:a16="http://schemas.microsoft.com/office/drawing/2014/main" id="{98523CFE-A9F5-4BD6-9385-CC158D786DA3}"/>
+              </a:ext>
+            </a:extLst>
+          </p:cNvPr>
+          <p:cNvSpPr txBox="1"/>
+          <p:nvPr/>
+        </p:nvSpPr>
+        <p:spPr>
+          <a:xfrm>
+            <a:off x="5981700" y="361950"/>
+            <a:ext cx="6072581" cy="6170920"/>
+          </a:xfrm>
+          <a:prstGeom prst="rect">
+            <a:avLst/>
+          </a:prstGeom>
+          <a:noFill/>
+        </p:spPr>
+        <p:txBody>
+          <a:bodyPr wrap="square" rtlCol="0">
+            <a:spAutoFit/>
+          </a:bodyPr>
+          <a:lstStyle/>
+          <a:p>
+            <a:r>
+              <a:rPr lang="en-US" altLang="ja-JP" sz="500" dirty="0"/>
+              <a:t>{</a:t>
+            </a:r>
+          </a:p>
+          <a:p>
+            <a:r>
+              <a:rPr lang="en-US" altLang="ja-JP" sz="500" dirty="0"/>
+              <a:t>	"title": {</a:t>
+            </a:r>
+          </a:p>
+          <a:p>
+            <a:r>
+              <a:rPr lang="en-US" altLang="ja-JP" sz="500" dirty="0"/>
+              <a:t>		"type": "</a:t>
+            </a:r>
+            <a:r>
+              <a:rPr lang="en-US" altLang="ja-JP" sz="500" dirty="0" err="1"/>
+              <a:t>plain_text</a:t>
+            </a:r>
+            <a:r>
+              <a:rPr lang="en-US" altLang="ja-JP" sz="500" dirty="0"/>
+              <a:t>",</a:t>
+            </a:r>
+          </a:p>
+          <a:p>
+            <a:r>
+              <a:rPr lang="en-US" altLang="ja-JP" sz="500" dirty="0"/>
+              <a:t>		"text": "</a:t>
+            </a:r>
+            <a:r>
+              <a:rPr lang="ja-JP" altLang="en-US" sz="500" dirty="0"/>
+              <a:t>グループ編集</a:t>
+            </a:r>
+            <a:r>
+              <a:rPr lang="en-US" altLang="ja-JP" sz="500" dirty="0"/>
+              <a:t>"</a:t>
+            </a:r>
+          </a:p>
+          <a:p>
+            <a:r>
+              <a:rPr lang="en-US" altLang="ja-JP" sz="500" dirty="0"/>
+              <a:t>	},</a:t>
+            </a:r>
+          </a:p>
+          <a:p>
+            <a:r>
+              <a:rPr lang="en-US" altLang="ja-JP" sz="500" dirty="0"/>
+              <a:t>	"submit": {</a:t>
+            </a:r>
+          </a:p>
+          <a:p>
+            <a:r>
+              <a:rPr lang="en-US" altLang="ja-JP" sz="500" dirty="0"/>
+              <a:t>		"type": "</a:t>
+            </a:r>
+            <a:r>
+              <a:rPr lang="en-US" altLang="ja-JP" sz="500" dirty="0" err="1"/>
+              <a:t>plain_text</a:t>
+            </a:r>
+            <a:r>
+              <a:rPr lang="en-US" altLang="ja-JP" sz="500" dirty="0"/>
+              <a:t>",</a:t>
+            </a:r>
+          </a:p>
+          <a:p>
+            <a:r>
+              <a:rPr lang="en-US" altLang="ja-JP" sz="500" dirty="0"/>
+              <a:t>		"text": "</a:t>
+            </a:r>
+            <a:r>
+              <a:rPr lang="ja-JP" altLang="en-US" sz="500" dirty="0"/>
+              <a:t>保存</a:t>
+            </a:r>
+            <a:r>
+              <a:rPr lang="en-US" altLang="ja-JP" sz="500" dirty="0"/>
+              <a:t>"</a:t>
+            </a:r>
+          </a:p>
+          <a:p>
+            <a:r>
+              <a:rPr lang="en-US" altLang="ja-JP" sz="500" dirty="0"/>
+              <a:t>	},</a:t>
+            </a:r>
+          </a:p>
+          <a:p>
+            <a:r>
+              <a:rPr lang="en-US" altLang="ja-JP" sz="500" dirty="0"/>
+              <a:t>	"type": "modal",</a:t>
+            </a:r>
+          </a:p>
+          <a:p>
+            <a:r>
+              <a:rPr lang="en-US" altLang="ja-JP" sz="500" dirty="0"/>
+              <a:t>	"</a:t>
+            </a:r>
+            <a:r>
+              <a:rPr lang="en-US" altLang="ja-JP" sz="500" dirty="0" err="1"/>
+              <a:t>callback_id</a:t>
+            </a:r>
+            <a:r>
+              <a:rPr lang="en-US" altLang="ja-JP" sz="500" dirty="0"/>
+              <a:t>": "</a:t>
+            </a:r>
+            <a:r>
+              <a:rPr lang="en-US" altLang="ja-JP" sz="500" dirty="0" err="1"/>
+              <a:t>add_group_modal</a:t>
+            </a:r>
+            <a:r>
+              <a:rPr lang="en-US" altLang="ja-JP" sz="500" dirty="0"/>
+              <a:t>",</a:t>
+            </a:r>
+          </a:p>
+          <a:p>
+            <a:r>
+              <a:rPr lang="en-US" altLang="ja-JP" sz="500" dirty="0"/>
+              <a:t>	"close": {</a:t>
+            </a:r>
+          </a:p>
+          <a:p>
+            <a:r>
+              <a:rPr lang="en-US" altLang="ja-JP" sz="500" dirty="0"/>
+              <a:t>		"type": "</a:t>
+            </a:r>
+            <a:r>
+              <a:rPr lang="en-US" altLang="ja-JP" sz="500" dirty="0" err="1"/>
+              <a:t>plain_text</a:t>
+            </a:r>
+            <a:r>
+              <a:rPr lang="en-US" altLang="ja-JP" sz="500" dirty="0"/>
+              <a:t>",</a:t>
+            </a:r>
+          </a:p>
+          <a:p>
+            <a:r>
+              <a:rPr lang="en-US" altLang="ja-JP" sz="500" dirty="0"/>
+              <a:t>		"text": "</a:t>
+            </a:r>
+            <a:r>
+              <a:rPr lang="ja-JP" altLang="en-US" sz="500" dirty="0"/>
+              <a:t>戻る</a:t>
+            </a:r>
+            <a:r>
+              <a:rPr lang="en-US" altLang="ja-JP" sz="500" dirty="0"/>
+              <a:t>"</a:t>
+            </a:r>
+          </a:p>
+          <a:p>
+            <a:r>
+              <a:rPr lang="en-US" altLang="ja-JP" sz="500" dirty="0"/>
+              <a:t>	},</a:t>
+            </a:r>
+          </a:p>
+          <a:p>
+            <a:r>
+              <a:rPr lang="en-US" altLang="ja-JP" sz="500" dirty="0"/>
+              <a:t>	"blocks": [</a:t>
+            </a:r>
+          </a:p>
+          <a:p>
+            <a:r>
+              <a:rPr lang="en-US" altLang="ja-JP" sz="500" dirty="0"/>
+              <a:t>		{</a:t>
+            </a:r>
+          </a:p>
+          <a:p>
+            <a:r>
+              <a:rPr lang="en-US" altLang="ja-JP" sz="500" dirty="0"/>
+              <a:t>			"type": "input",</a:t>
+            </a:r>
+          </a:p>
+          <a:p>
+            <a:r>
+              <a:rPr lang="en-US" altLang="ja-JP" sz="500" dirty="0"/>
+              <a:t>			"</a:t>
+            </a:r>
+            <a:r>
+              <a:rPr lang="en-US" altLang="ja-JP" sz="500" dirty="0" err="1"/>
+              <a:t>block_id</a:t>
+            </a:r>
+            <a:r>
+              <a:rPr lang="en-US" altLang="ja-JP" sz="500" dirty="0"/>
+              <a:t>": "</a:t>
+            </a:r>
+            <a:r>
+              <a:rPr lang="en-US" altLang="ja-JP" sz="500" dirty="0" err="1"/>
+              <a:t>admin_block</a:t>
+            </a:r>
+            <a:r>
+              <a:rPr lang="en-US" altLang="ja-JP" sz="500" dirty="0"/>
+              <a:t>",</a:t>
+            </a:r>
+          </a:p>
+          <a:p>
+            <a:r>
+              <a:rPr lang="en-US" altLang="ja-JP" sz="500" dirty="0"/>
+              <a:t>			"element": {</a:t>
+            </a:r>
+          </a:p>
+          <a:p>
+            <a:r>
+              <a:rPr lang="en-US" altLang="ja-JP" sz="500" dirty="0"/>
+              <a:t>				"type": "</a:t>
+            </a:r>
+            <a:r>
+              <a:rPr lang="en-US" altLang="ja-JP" sz="500" dirty="0" err="1"/>
+              <a:t>multi_users_select</a:t>
+            </a:r>
+            <a:r>
+              <a:rPr lang="en-US" altLang="ja-JP" sz="500" dirty="0"/>
+              <a:t>",</a:t>
+            </a:r>
+          </a:p>
+          <a:p>
+            <a:r>
+              <a:rPr lang="en-US" altLang="ja-JP" sz="500" dirty="0"/>
+              <a:t>				"</a:t>
+            </a:r>
+            <a:r>
+              <a:rPr lang="en-US" altLang="ja-JP" sz="500" dirty="0" err="1"/>
+              <a:t>action_id</a:t>
+            </a:r>
+            <a:r>
+              <a:rPr lang="en-US" altLang="ja-JP" sz="500" dirty="0"/>
+              <a:t>": "</a:t>
+            </a:r>
+            <a:r>
+              <a:rPr lang="en-US" altLang="ja-JP" sz="500" dirty="0" err="1"/>
+              <a:t>admin_select</a:t>
+            </a:r>
+            <a:r>
+              <a:rPr lang="en-US" altLang="ja-JP" sz="500" dirty="0"/>
+              <a:t>",</a:t>
+            </a:r>
+          </a:p>
+          <a:p>
+            <a:r>
+              <a:rPr lang="en-US" altLang="ja-JP" sz="500" dirty="0"/>
+              <a:t>				"placeholder": {</a:t>
+            </a:r>
+          </a:p>
+          <a:p>
+            <a:r>
+              <a:rPr lang="en-US" altLang="ja-JP" sz="500" dirty="0"/>
+              <a:t>					"type": "</a:t>
+            </a:r>
+            <a:r>
+              <a:rPr lang="en-US" altLang="ja-JP" sz="500" dirty="0" err="1"/>
+              <a:t>plain_text</a:t>
+            </a:r>
+            <a:r>
+              <a:rPr lang="en-US" altLang="ja-JP" sz="500" dirty="0"/>
+              <a:t>",</a:t>
+            </a:r>
+          </a:p>
+          <a:p>
+            <a:r>
+              <a:rPr lang="en-US" altLang="ja-JP" sz="500" dirty="0"/>
+              <a:t>					"text": "</a:t>
+            </a:r>
+            <a:r>
+              <a:rPr lang="ja-JP" altLang="en-US" sz="500" dirty="0"/>
+              <a:t>例：課長</a:t>
+            </a:r>
+            <a:r>
+              <a:rPr lang="en-US" altLang="ja-JP" sz="500" dirty="0"/>
+              <a:t>"</a:t>
+            </a:r>
+          </a:p>
+          <a:p>
+            <a:r>
+              <a:rPr lang="en-US" altLang="ja-JP" sz="500" dirty="0"/>
+              <a:t>				}</a:t>
+            </a:r>
+          </a:p>
+          <a:p>
+            <a:r>
+              <a:rPr lang="en-US" altLang="ja-JP" sz="500" dirty="0"/>
+              <a:t>			},</a:t>
+            </a:r>
+          </a:p>
+          <a:p>
+            <a:r>
+              <a:rPr lang="en-US" altLang="ja-JP" sz="500" dirty="0"/>
+              <a:t>			"label": {</a:t>
+            </a:r>
+          </a:p>
+          <a:p>
+            <a:r>
+              <a:rPr lang="en-US" altLang="ja-JP" sz="500" dirty="0"/>
+              <a:t>				"type": "</a:t>
+            </a:r>
+            <a:r>
+              <a:rPr lang="en-US" altLang="ja-JP" sz="500" dirty="0" err="1"/>
+              <a:t>plain_text</a:t>
+            </a:r>
+            <a:r>
+              <a:rPr lang="en-US" altLang="ja-JP" sz="500" dirty="0"/>
+              <a:t>",</a:t>
+            </a:r>
+          </a:p>
+          <a:p>
+            <a:r>
+              <a:rPr lang="en-US" altLang="ja-JP" sz="500" dirty="0"/>
+              <a:t>				"text": "</a:t>
+            </a:r>
+            <a:r>
+              <a:rPr lang="ja-JP" altLang="en-US" sz="500" dirty="0"/>
+              <a:t>通知先</a:t>
+            </a:r>
+            <a:r>
+              <a:rPr lang="en-US" altLang="ja-JP" sz="500" dirty="0"/>
+              <a:t>"</a:t>
+            </a:r>
+          </a:p>
+          <a:p>
+            <a:r>
+              <a:rPr lang="en-US" altLang="ja-JP" sz="500" dirty="0"/>
+              <a:t>			}</a:t>
+            </a:r>
+          </a:p>
+          <a:p>
+            <a:r>
+              <a:rPr lang="en-US" altLang="ja-JP" sz="500" dirty="0"/>
+              <a:t>		},</a:t>
+            </a:r>
+          </a:p>
+          <a:p>
+            <a:r>
+              <a:rPr lang="en-US" altLang="ja-JP" sz="500" dirty="0"/>
+              <a:t>		{</a:t>
+            </a:r>
+          </a:p>
+          <a:p>
+            <a:r>
+              <a:rPr lang="en-US" altLang="ja-JP" sz="500" dirty="0"/>
+              <a:t>			"type": "context",</a:t>
+            </a:r>
+          </a:p>
+          <a:p>
+            <a:r>
+              <a:rPr lang="en-US" altLang="ja-JP" sz="500" dirty="0"/>
+              <a:t>			"elements": [</a:t>
+            </a:r>
+          </a:p>
+          <a:p>
+            <a:r>
+              <a:rPr lang="en-US" altLang="ja-JP" sz="500" dirty="0"/>
+              <a:t>				{</a:t>
+            </a:r>
+          </a:p>
+          <a:p>
+            <a:r>
+              <a:rPr lang="en-US" altLang="ja-JP" sz="500" dirty="0"/>
+              <a:t>					"type": "</a:t>
+            </a:r>
+            <a:r>
+              <a:rPr lang="en-US" altLang="ja-JP" sz="500" dirty="0" err="1"/>
+              <a:t>mrkdwn</a:t>
+            </a:r>
+            <a:r>
+              <a:rPr lang="en-US" altLang="ja-JP" sz="500" dirty="0"/>
+              <a:t>",</a:t>
+            </a:r>
+          </a:p>
+          <a:p>
+            <a:r>
+              <a:rPr lang="en-US" altLang="ja-JP" sz="500" dirty="0"/>
+              <a:t>					"text": "ⓘ</a:t>
+            </a:r>
+            <a:r>
+              <a:rPr lang="ja-JP" altLang="en-US" sz="500" dirty="0"/>
+              <a:t>ここに登録されたユーザには</a:t>
+            </a:r>
+            <a:r>
+              <a:rPr lang="en-US" altLang="ja-JP" sz="500" dirty="0"/>
+              <a:t>9:00</a:t>
+            </a:r>
+            <a:r>
+              <a:rPr lang="ja-JP" altLang="en-US" sz="500" dirty="0"/>
+              <a:t>に勤怠情報が通知されます。</a:t>
+            </a:r>
+            <a:r>
+              <a:rPr lang="en-US" altLang="ja-JP" sz="500" dirty="0"/>
+              <a:t>"</a:t>
+            </a:r>
+          </a:p>
+          <a:p>
+            <a:r>
+              <a:rPr lang="en-US" altLang="ja-JP" sz="500" dirty="0"/>
+              <a:t>				}</a:t>
+            </a:r>
+          </a:p>
+          <a:p>
+            <a:r>
+              <a:rPr lang="en-US" altLang="ja-JP" sz="500" dirty="0"/>
+              <a:t>			]</a:t>
+            </a:r>
+          </a:p>
+          <a:p>
+            <a:r>
+              <a:rPr lang="en-US" altLang="ja-JP" sz="500" dirty="0"/>
+              <a:t>		},</a:t>
+            </a:r>
+          </a:p>
+          <a:p>
+            <a:r>
+              <a:rPr lang="en-US" altLang="ja-JP" sz="500" dirty="0"/>
+              <a:t>		{</a:t>
+            </a:r>
+          </a:p>
+          <a:p>
+            <a:r>
+              <a:rPr lang="en-US" altLang="ja-JP" sz="500" dirty="0"/>
+              <a:t>			"type": "divider"</a:t>
+            </a:r>
+          </a:p>
+          <a:p>
+            <a:r>
+              <a:rPr lang="en-US" altLang="ja-JP" sz="500" dirty="0"/>
+              <a:t>		},</a:t>
+            </a:r>
+          </a:p>
+          <a:p>
+            <a:r>
+              <a:rPr lang="en-US" altLang="ja-JP" sz="500" dirty="0"/>
+              <a:t>		{</a:t>
+            </a:r>
+          </a:p>
+          <a:p>
+            <a:r>
+              <a:rPr lang="en-US" altLang="ja-JP" sz="500" dirty="0"/>
+              <a:t>			"type": "input",</a:t>
+            </a:r>
+          </a:p>
+          <a:p>
+            <a:r>
+              <a:rPr lang="en-US" altLang="ja-JP" sz="500" dirty="0"/>
+              <a:t>			"</a:t>
+            </a:r>
+            <a:r>
+              <a:rPr lang="en-US" altLang="ja-JP" sz="500" dirty="0" err="1"/>
+              <a:t>block_id</a:t>
+            </a:r>
+            <a:r>
+              <a:rPr lang="en-US" altLang="ja-JP" sz="500" dirty="0"/>
+              <a:t>": "</a:t>
+            </a:r>
+            <a:r>
+              <a:rPr lang="en-US" altLang="ja-JP" sz="500" dirty="0" err="1"/>
+              <a:t>name_block</a:t>
+            </a:r>
+            <a:r>
+              <a:rPr lang="en-US" altLang="ja-JP" sz="500" dirty="0"/>
+              <a:t>",</a:t>
+            </a:r>
+          </a:p>
+          <a:p>
+            <a:r>
+              <a:rPr lang="en-US" altLang="ja-JP" sz="500" dirty="0"/>
+              <a:t>			"element": {</a:t>
+            </a:r>
+          </a:p>
+          <a:p>
+            <a:r>
+              <a:rPr lang="en-US" altLang="ja-JP" sz="500" dirty="0"/>
+              <a:t>				"type": "</a:t>
+            </a:r>
+            <a:r>
+              <a:rPr lang="en-US" altLang="ja-JP" sz="500" dirty="0" err="1"/>
+              <a:t>plain_text_input</a:t>
+            </a:r>
+            <a:r>
+              <a:rPr lang="en-US" altLang="ja-JP" sz="500" dirty="0"/>
+              <a:t>",</a:t>
+            </a:r>
+          </a:p>
+          <a:p>
+            <a:r>
+              <a:rPr lang="en-US" altLang="ja-JP" sz="500" dirty="0"/>
+              <a:t>				"</a:t>
+            </a:r>
+            <a:r>
+              <a:rPr lang="en-US" altLang="ja-JP" sz="500" dirty="0" err="1"/>
+              <a:t>action_id</a:t>
+            </a:r>
+            <a:r>
+              <a:rPr lang="en-US" altLang="ja-JP" sz="500" dirty="0"/>
+              <a:t>": "</a:t>
+            </a:r>
+            <a:r>
+              <a:rPr lang="en-US" altLang="ja-JP" sz="500" dirty="0" err="1"/>
+              <a:t>name_input</a:t>
+            </a:r>
+            <a:r>
+              <a:rPr lang="en-US" altLang="ja-JP" sz="500" dirty="0"/>
+              <a:t>",</a:t>
+            </a:r>
+          </a:p>
+          <a:p>
+            <a:r>
+              <a:rPr lang="en-US" altLang="ja-JP" sz="500" dirty="0"/>
+              <a:t>				"placeholder": {</a:t>
+            </a:r>
+          </a:p>
+          <a:p>
+            <a:r>
+              <a:rPr lang="en-US" altLang="ja-JP" sz="500" dirty="0"/>
+              <a:t>					"type": "</a:t>
+            </a:r>
+            <a:r>
+              <a:rPr lang="en-US" altLang="ja-JP" sz="500" dirty="0" err="1"/>
+              <a:t>plain_text</a:t>
+            </a:r>
+            <a:r>
+              <a:rPr lang="en-US" altLang="ja-JP" sz="500" dirty="0"/>
+              <a:t>",</a:t>
+            </a:r>
+          </a:p>
+          <a:p>
+            <a:r>
+              <a:rPr lang="en-US" altLang="ja-JP" sz="500" dirty="0"/>
+              <a:t>					"text": "</a:t>
+            </a:r>
+            <a:r>
+              <a:rPr lang="ja-JP" altLang="en-US" sz="500" dirty="0"/>
+              <a:t>例：</a:t>
+            </a:r>
+            <a:r>
+              <a:rPr lang="en-US" altLang="ja-JP" sz="500" dirty="0"/>
+              <a:t>4/5</a:t>
+            </a:r>
+            <a:r>
+              <a:rPr lang="ja-JP" altLang="en-US" sz="500" dirty="0"/>
+              <a:t>課</a:t>
+            </a:r>
+            <a:r>
+              <a:rPr lang="en-US" altLang="ja-JP" sz="500" dirty="0"/>
+              <a:t>"</a:t>
+            </a:r>
+          </a:p>
+          <a:p>
+            <a:r>
+              <a:rPr lang="en-US" altLang="ja-JP" sz="500" dirty="0"/>
+              <a:t>				}</a:t>
+            </a:r>
+          </a:p>
+          <a:p>
+            <a:r>
+              <a:rPr lang="en-US" altLang="ja-JP" sz="500" dirty="0"/>
+              <a:t>			},</a:t>
+            </a:r>
+          </a:p>
+          <a:p>
+            <a:r>
+              <a:rPr lang="en-US" altLang="ja-JP" sz="500" dirty="0"/>
+              <a:t>			"label": {</a:t>
+            </a:r>
+          </a:p>
+          <a:p>
+            <a:r>
+              <a:rPr lang="en-US" altLang="ja-JP" sz="500" dirty="0"/>
+              <a:t>				"type": "</a:t>
+            </a:r>
+            <a:r>
+              <a:rPr lang="en-US" altLang="ja-JP" sz="500" dirty="0" err="1"/>
+              <a:t>plain_text</a:t>
+            </a:r>
+            <a:r>
+              <a:rPr lang="en-US" altLang="ja-JP" sz="500" dirty="0"/>
+              <a:t>",</a:t>
+            </a:r>
+          </a:p>
+          <a:p>
+            <a:r>
+              <a:rPr lang="en-US" altLang="ja-JP" sz="500" dirty="0"/>
+              <a:t>				"text": "</a:t>
+            </a:r>
+            <a:r>
+              <a:rPr lang="ja-JP" altLang="en-US" sz="500" dirty="0"/>
+              <a:t>グループ名称</a:t>
+            </a:r>
+            <a:r>
+              <a:rPr lang="en-US" altLang="ja-JP" sz="500" dirty="0"/>
+              <a:t>"</a:t>
+            </a:r>
+          </a:p>
+          <a:p>
+            <a:r>
+              <a:rPr lang="en-US" altLang="ja-JP" sz="500" dirty="0"/>
+              <a:t>			}</a:t>
+            </a:r>
+          </a:p>
+          <a:p>
+            <a:r>
+              <a:rPr lang="en-US" altLang="ja-JP" sz="500" dirty="0"/>
+              <a:t>		},</a:t>
+            </a:r>
+          </a:p>
+          <a:p>
+            <a:r>
+              <a:rPr lang="en-US" altLang="ja-JP" sz="500" dirty="0"/>
+              <a:t>		{</a:t>
+            </a:r>
+          </a:p>
+          <a:p>
+            <a:r>
+              <a:rPr lang="en-US" altLang="ja-JP" sz="500" dirty="0"/>
+              <a:t>			"type": "input",</a:t>
+            </a:r>
+          </a:p>
+          <a:p>
+            <a:r>
+              <a:rPr lang="en-US" altLang="ja-JP" sz="500" dirty="0"/>
+              <a:t>			"</a:t>
+            </a:r>
+            <a:r>
+              <a:rPr lang="en-US" altLang="ja-JP" sz="500" dirty="0" err="1"/>
+              <a:t>block_id</a:t>
+            </a:r>
+            <a:r>
+              <a:rPr lang="en-US" altLang="ja-JP" sz="500" dirty="0"/>
+              <a:t>": "</a:t>
+            </a:r>
+            <a:r>
+              <a:rPr lang="en-US" altLang="ja-JP" sz="500" dirty="0" err="1"/>
+              <a:t>members_block</a:t>
+            </a:r>
+            <a:r>
+              <a:rPr lang="en-US" altLang="ja-JP" sz="500" dirty="0"/>
+              <a:t>",</a:t>
+            </a:r>
+          </a:p>
+          <a:p>
+            <a:r>
+              <a:rPr lang="en-US" altLang="ja-JP" sz="500" dirty="0"/>
+              <a:t>			"element": {</a:t>
+            </a:r>
+          </a:p>
+          <a:p>
+            <a:r>
+              <a:rPr lang="en-US" altLang="ja-JP" sz="500" dirty="0"/>
+              <a:t>				"type": "</a:t>
+            </a:r>
+            <a:r>
+              <a:rPr lang="en-US" altLang="ja-JP" sz="500" dirty="0" err="1"/>
+              <a:t>multi_users_select</a:t>
+            </a:r>
+            <a:r>
+              <a:rPr lang="en-US" altLang="ja-JP" sz="500" dirty="0"/>
+              <a:t>",</a:t>
+            </a:r>
+          </a:p>
+          <a:p>
+            <a:r>
+              <a:rPr lang="en-US" altLang="ja-JP" sz="500" dirty="0"/>
+              <a:t>				"</a:t>
+            </a:r>
+            <a:r>
+              <a:rPr lang="en-US" altLang="ja-JP" sz="500" dirty="0" err="1"/>
+              <a:t>action_id</a:t>
+            </a:r>
+            <a:r>
+              <a:rPr lang="en-US" altLang="ja-JP" sz="500" dirty="0"/>
+              <a:t>": "</a:t>
+            </a:r>
+            <a:r>
+              <a:rPr lang="en-US" altLang="ja-JP" sz="500" dirty="0" err="1"/>
+              <a:t>members_select</a:t>
+            </a:r>
+            <a:r>
+              <a:rPr lang="en-US" altLang="ja-JP" sz="500" dirty="0"/>
+              <a:t>",</a:t>
+            </a:r>
+          </a:p>
+          <a:p>
+            <a:r>
+              <a:rPr lang="en-US" altLang="ja-JP" sz="500" dirty="0"/>
+              <a:t>				"placeholder": {</a:t>
+            </a:r>
+          </a:p>
+          <a:p>
+            <a:r>
+              <a:rPr lang="en-US" altLang="ja-JP" sz="500" dirty="0"/>
+              <a:t>					"type": "</a:t>
+            </a:r>
+            <a:r>
+              <a:rPr lang="en-US" altLang="ja-JP" sz="500" dirty="0" err="1"/>
+              <a:t>plain_text</a:t>
+            </a:r>
+            <a:r>
+              <a:rPr lang="en-US" altLang="ja-JP" sz="500" dirty="0"/>
+              <a:t>",</a:t>
+            </a:r>
+          </a:p>
+          <a:p>
+            <a:r>
+              <a:rPr lang="en-US" altLang="ja-JP" sz="500" dirty="0"/>
+              <a:t>					"text": "</a:t>
+            </a:r>
+            <a:r>
+              <a:rPr lang="ja-JP" altLang="en-US" sz="500" dirty="0"/>
+              <a:t>例：</a:t>
+            </a:r>
+            <a:r>
+              <a:rPr lang="en-US" altLang="ja-JP" sz="500" dirty="0"/>
+              <a:t>4/5</a:t>
+            </a:r>
+            <a:r>
+              <a:rPr lang="ja-JP" altLang="en-US" sz="500" dirty="0"/>
+              <a:t>課所属者</a:t>
+            </a:r>
+            <a:r>
+              <a:rPr lang="en-US" altLang="ja-JP" sz="500" dirty="0"/>
+              <a:t>"</a:t>
+            </a:r>
+          </a:p>
+          <a:p>
+            <a:r>
+              <a:rPr lang="en-US" altLang="ja-JP" sz="500" dirty="0"/>
+              <a:t>				}</a:t>
+            </a:r>
+          </a:p>
+          <a:p>
+            <a:r>
+              <a:rPr lang="en-US" altLang="ja-JP" sz="500" dirty="0"/>
+              <a:t>			},</a:t>
+            </a:r>
+          </a:p>
+          <a:p>
+            <a:r>
+              <a:rPr lang="en-US" altLang="ja-JP" sz="500" dirty="0"/>
+              <a:t>			"label": {</a:t>
+            </a:r>
+          </a:p>
+          <a:p>
+            <a:r>
+              <a:rPr lang="en-US" altLang="ja-JP" sz="500" dirty="0"/>
+              <a:t>				"type": "</a:t>
+            </a:r>
+            <a:r>
+              <a:rPr lang="en-US" altLang="ja-JP" sz="500" dirty="0" err="1"/>
+              <a:t>plain_text</a:t>
+            </a:r>
+            <a:r>
+              <a:rPr lang="en-US" altLang="ja-JP" sz="500" dirty="0"/>
+              <a:t>",</a:t>
+            </a:r>
+          </a:p>
+          <a:p>
+            <a:r>
+              <a:rPr lang="en-US" altLang="ja-JP" sz="500" dirty="0"/>
+              <a:t>				"text": "</a:t>
+            </a:r>
+            <a:r>
+              <a:rPr lang="ja-JP" altLang="en-US" sz="500" dirty="0"/>
+              <a:t>所属者</a:t>
+            </a:r>
+            <a:r>
+              <a:rPr lang="en-US" altLang="ja-JP" sz="500" dirty="0"/>
+              <a:t>"</a:t>
+            </a:r>
+          </a:p>
+          <a:p>
+            <a:r>
+              <a:rPr lang="en-US" altLang="ja-JP" sz="500" dirty="0"/>
+              <a:t>			}</a:t>
+            </a:r>
+          </a:p>
+          <a:p>
+            <a:r>
+              <a:rPr lang="en-US" altLang="ja-JP" sz="500" dirty="0"/>
+              <a:t>		}</a:t>
+            </a:r>
+          </a:p>
+          <a:p>
+            <a:r>
+              <a:rPr lang="en-US" altLang="ja-JP" sz="500" dirty="0"/>
+              <a:t>	]</a:t>
+            </a:r>
+          </a:p>
+          <a:p>
+            <a:r>
+              <a:rPr lang="en-US" altLang="ja-JP" sz="500" dirty="0"/>
+              <a:t>}</a:t>
+            </a:r>
+            <a:endParaRPr kumimoji="1" lang="ja-JP" altLang="en-US" sz="500" dirty="0"/>
+          </a:p>
+        </p:txBody>
+      </p:sp>
+    </p:spTree>
+    <p:extLst>
+      <p:ext uri="{BB962C8B-B14F-4D97-AF65-F5344CB8AC3E}">
+        <p14:creationId xmlns:p14="http://schemas.microsoft.com/office/powerpoint/2010/main" val="2200214299"/>
+      </p:ext>
+    </p:extLst>
+  </p:cSld>
+  <p:clrMapOvr>
+    <a:masterClrMapping/>
+  </p:clrMapOvr>
+</p:sld>
+</file>
+
 <file path=ppt/slides/slide2.xml><?xml version="1.0" encoding="utf-8"?>
 <p:sld xmlns:a="http://schemas.openxmlformats.org/drawingml/2006/main" xmlns:r="http://schemas.openxmlformats.org/officeDocument/2006/relationships" xmlns:p="http://schemas.openxmlformats.org/presentationml/2006/main">
   <p:cSld>
